--- a/图.pptx
+++ b/图.pptx
@@ -268,7 +268,7 @@
           <a:p>
             <a:fld id="{D997B5FA-0921-464F-AAE1-844C04324D75}" type="datetimeFigureOut">
               <a:rPr lang="zh-CN" altLang="en-US" smtClean="0"/>
-              <a:t>2024/8/6</a:t>
+              <a:t>2024/8/7</a:t>
             </a:fld>
             <a:endParaRPr lang="zh-CN" altLang="en-US"/>
           </a:p>
@@ -431,7 +431,7 @@
           <a:p>
             <a:fld id="{D997B5FA-0921-464F-AAE1-844C04324D75}" type="datetimeFigureOut">
               <a:rPr lang="zh-CN" altLang="en-US" smtClean="0"/>
-              <a:t>2024/8/6</a:t>
+              <a:t>2024/8/7</a:t>
             </a:fld>
             <a:endParaRPr lang="zh-CN" altLang="en-US"/>
           </a:p>
@@ -604,7 +604,7 @@
           <a:p>
             <a:fld id="{D997B5FA-0921-464F-AAE1-844C04324D75}" type="datetimeFigureOut">
               <a:rPr lang="zh-CN" altLang="en-US" smtClean="0"/>
-              <a:t>2024/8/6</a:t>
+              <a:t>2024/8/7</a:t>
             </a:fld>
             <a:endParaRPr lang="zh-CN" altLang="en-US"/>
           </a:p>
@@ -767,7 +767,7 @@
           <a:p>
             <a:fld id="{D997B5FA-0921-464F-AAE1-844C04324D75}" type="datetimeFigureOut">
               <a:rPr lang="zh-CN" altLang="en-US" smtClean="0"/>
-              <a:t>2024/8/6</a:t>
+              <a:t>2024/8/7</a:t>
             </a:fld>
             <a:endParaRPr lang="zh-CN" altLang="en-US"/>
           </a:p>
@@ -1007,7 +1007,7 @@
           <a:p>
             <a:fld id="{D997B5FA-0921-464F-AAE1-844C04324D75}" type="datetimeFigureOut">
               <a:rPr lang="zh-CN" altLang="en-US" smtClean="0"/>
-              <a:t>2024/8/6</a:t>
+              <a:t>2024/8/7</a:t>
             </a:fld>
             <a:endParaRPr lang="zh-CN" altLang="en-US"/>
           </a:p>
@@ -1231,7 +1231,7 @@
           <a:p>
             <a:fld id="{D997B5FA-0921-464F-AAE1-844C04324D75}" type="datetimeFigureOut">
               <a:rPr lang="zh-CN" altLang="en-US" smtClean="0"/>
-              <a:t>2024/8/6</a:t>
+              <a:t>2024/8/7</a:t>
             </a:fld>
             <a:endParaRPr lang="zh-CN" altLang="en-US"/>
           </a:p>
@@ -1590,7 +1590,7 @@
           <a:p>
             <a:fld id="{D997B5FA-0921-464F-AAE1-844C04324D75}" type="datetimeFigureOut">
               <a:rPr lang="zh-CN" altLang="en-US" smtClean="0"/>
-              <a:t>2024/8/6</a:t>
+              <a:t>2024/8/7</a:t>
             </a:fld>
             <a:endParaRPr lang="zh-CN" altLang="en-US"/>
           </a:p>
@@ -1702,7 +1702,7 @@
           <a:p>
             <a:fld id="{D997B5FA-0921-464F-AAE1-844C04324D75}" type="datetimeFigureOut">
               <a:rPr lang="zh-CN" altLang="en-US" smtClean="0"/>
-              <a:t>2024/8/6</a:t>
+              <a:t>2024/8/7</a:t>
             </a:fld>
             <a:endParaRPr lang="zh-CN" altLang="en-US"/>
           </a:p>
@@ -1792,7 +1792,7 @@
           <a:p>
             <a:fld id="{D997B5FA-0921-464F-AAE1-844C04324D75}" type="datetimeFigureOut">
               <a:rPr lang="zh-CN" altLang="en-US" smtClean="0"/>
-              <a:t>2024/8/6</a:t>
+              <a:t>2024/8/7</a:t>
             </a:fld>
             <a:endParaRPr lang="zh-CN" altLang="en-US"/>
           </a:p>
@@ -2062,7 +2062,7 @@
           <a:p>
             <a:fld id="{D997B5FA-0921-464F-AAE1-844C04324D75}" type="datetimeFigureOut">
               <a:rPr lang="zh-CN" altLang="en-US" smtClean="0"/>
-              <a:t>2024/8/6</a:t>
+              <a:t>2024/8/7</a:t>
             </a:fld>
             <a:endParaRPr lang="zh-CN" altLang="en-US"/>
           </a:p>
@@ -2309,7 +2309,7 @@
           <a:p>
             <a:fld id="{D997B5FA-0921-464F-AAE1-844C04324D75}" type="datetimeFigureOut">
               <a:rPr lang="zh-CN" altLang="en-US" smtClean="0"/>
-              <a:t>2024/8/6</a:t>
+              <a:t>2024/8/7</a:t>
             </a:fld>
             <a:endParaRPr lang="zh-CN" altLang="en-US"/>
           </a:p>
@@ -2515,7 +2515,7 @@
           <a:p>
             <a:fld id="{D997B5FA-0921-464F-AAE1-844C04324D75}" type="datetimeFigureOut">
               <a:rPr lang="zh-CN" altLang="en-US" smtClean="0"/>
-              <a:t>2024/8/6</a:t>
+              <a:t>2024/8/7</a:t>
             </a:fld>
             <a:endParaRPr lang="zh-CN" altLang="en-US"/>
           </a:p>
